--- a/교육내용 ppt정리/220721_박준현_교육내용 정리(CSS+JavaScript).pptx
+++ b/교육내용 ppt정리/220721_박준현_교육내용 정리(CSS+JavaScript).pptx
@@ -23,7 +23,6 @@
     <p:sldId id="412" r:id="rId17"/>
     <p:sldId id="382" r:id="rId18"/>
     <p:sldId id="256" r:id="rId19"/>
-    <p:sldId id="394" r:id="rId20"/>
   </p:sldIdLst>
   <p:sldSz cx="12192000" cy="6858000"/>
   <p:notesSz cx="6858000" cy="9144000"/>
@@ -288,7 +287,7 @@
           <a:p>
             <a:fld id="{3F8A50C2-589C-42C8-B763-56D87D9D16BD}" type="datetimeFigureOut">
               <a:rPr lang="ko-KR" altLang="en-US" smtClean="0"/>
-              <a:t>2022-07-21</a:t>
+              <a:t>2022-07-22</a:t>
             </a:fld>
             <a:endParaRPr lang="ko-KR" altLang="en-US"/>
           </a:p>
@@ -576,7 +575,7 @@
           <a:p>
             <a:fld id="{3F8A50C2-589C-42C8-B763-56D87D9D16BD}" type="datetimeFigureOut">
               <a:rPr lang="ko-KR" altLang="en-US" smtClean="0"/>
-              <a:t>2022-07-21</a:t>
+              <a:t>2022-07-22</a:t>
             </a:fld>
             <a:endParaRPr lang="ko-KR" altLang="en-US"/>
           </a:p>
@@ -774,7 +773,7 @@
           <a:p>
             <a:fld id="{3F8A50C2-589C-42C8-B763-56D87D9D16BD}" type="datetimeFigureOut">
               <a:rPr lang="ko-KR" altLang="en-US" smtClean="0"/>
-              <a:t>2022-07-21</a:t>
+              <a:t>2022-07-22</a:t>
             </a:fld>
             <a:endParaRPr lang="ko-KR" altLang="en-US"/>
           </a:p>
@@ -982,7 +981,7 @@
           <a:p>
             <a:fld id="{3F8A50C2-589C-42C8-B763-56D87D9D16BD}" type="datetimeFigureOut">
               <a:rPr lang="ko-KR" altLang="en-US" smtClean="0"/>
-              <a:t>2022-07-21</a:t>
+              <a:t>2022-07-22</a:t>
             </a:fld>
             <a:endParaRPr lang="ko-KR" altLang="en-US"/>
           </a:p>
@@ -1180,7 +1179,7 @@
           <a:p>
             <a:fld id="{3F8A50C2-589C-42C8-B763-56D87D9D16BD}" type="datetimeFigureOut">
               <a:rPr lang="ko-KR" altLang="en-US" smtClean="0"/>
-              <a:t>2022-07-21</a:t>
+              <a:t>2022-07-22</a:t>
             </a:fld>
             <a:endParaRPr lang="ko-KR" altLang="en-US"/>
           </a:p>
@@ -1455,7 +1454,7 @@
           <a:p>
             <a:fld id="{3F8A50C2-589C-42C8-B763-56D87D9D16BD}" type="datetimeFigureOut">
               <a:rPr lang="ko-KR" altLang="en-US" smtClean="0"/>
-              <a:t>2022-07-21</a:t>
+              <a:t>2022-07-22</a:t>
             </a:fld>
             <a:endParaRPr lang="ko-KR" altLang="en-US"/>
           </a:p>
@@ -1720,7 +1719,7 @@
           <a:p>
             <a:fld id="{3F8A50C2-589C-42C8-B763-56D87D9D16BD}" type="datetimeFigureOut">
               <a:rPr lang="ko-KR" altLang="en-US" smtClean="0"/>
-              <a:t>2022-07-21</a:t>
+              <a:t>2022-07-22</a:t>
             </a:fld>
             <a:endParaRPr lang="ko-KR" altLang="en-US"/>
           </a:p>
@@ -2132,7 +2131,7 @@
           <a:p>
             <a:fld id="{3F8A50C2-589C-42C8-B763-56D87D9D16BD}" type="datetimeFigureOut">
               <a:rPr lang="ko-KR" altLang="en-US" smtClean="0"/>
-              <a:t>2022-07-21</a:t>
+              <a:t>2022-07-22</a:t>
             </a:fld>
             <a:endParaRPr lang="ko-KR" altLang="en-US"/>
           </a:p>
@@ -2273,7 +2272,7 @@
           <a:p>
             <a:fld id="{3F8A50C2-589C-42C8-B763-56D87D9D16BD}" type="datetimeFigureOut">
               <a:rPr lang="ko-KR" altLang="en-US" smtClean="0"/>
-              <a:t>2022-07-21</a:t>
+              <a:t>2022-07-22</a:t>
             </a:fld>
             <a:endParaRPr lang="ko-KR" altLang="en-US"/>
           </a:p>
@@ -2386,7 +2385,7 @@
           <a:p>
             <a:fld id="{3F8A50C2-589C-42C8-B763-56D87D9D16BD}" type="datetimeFigureOut">
               <a:rPr lang="ko-KR" altLang="en-US" smtClean="0"/>
-              <a:t>2022-07-21</a:t>
+              <a:t>2022-07-22</a:t>
             </a:fld>
             <a:endParaRPr lang="ko-KR" altLang="en-US"/>
           </a:p>
@@ -2646,7 +2645,7 @@
           <a:p>
             <a:fld id="{3F8A50C2-589C-42C8-B763-56D87D9D16BD}" type="datetimeFigureOut">
               <a:rPr lang="ko-KR" altLang="en-US" smtClean="0"/>
-              <a:t>2022-07-21</a:t>
+              <a:t>2022-07-22</a:t>
             </a:fld>
             <a:endParaRPr lang="ko-KR" altLang="en-US"/>
           </a:p>
@@ -2957,7 +2956,7 @@
           <a:p>
             <a:fld id="{3F8A50C2-589C-42C8-B763-56D87D9D16BD}" type="datetimeFigureOut">
               <a:rPr lang="ko-KR" altLang="en-US" smtClean="0"/>
-              <a:t>2022-07-21</a:t>
+              <a:t>2022-07-22</a:t>
             </a:fld>
             <a:endParaRPr lang="ko-KR" altLang="en-US"/>
           </a:p>
@@ -3198,7 +3197,7 @@
           <a:p>
             <a:fld id="{3F8A50C2-589C-42C8-B763-56D87D9D16BD}" type="datetimeFigureOut">
               <a:rPr lang="ko-KR" altLang="en-US" smtClean="0"/>
-              <a:t>2022-07-21</a:t>
+              <a:t>2022-07-22</a:t>
             </a:fld>
             <a:endParaRPr lang="ko-KR" altLang="en-US"/>
           </a:p>
@@ -3714,7 +3713,7 @@
                     <a:schemeClr val="bg1"/>
                   </a:solidFill>
                 </a:rPr>
-                <a:t>2022-07-20 </a:t>
+                <a:t>2022-07-21 </a:t>
               </a:r>
               <a:r>
                 <a:rPr lang="ko-KR" altLang="en-US" sz="3600" dirty="0">
@@ -10172,396 +10171,6 @@
       </p:transition>
     </mc:Fallback>
   </mc:AlternateContent>
-</p:sld>
-</file>
-
-<file path=ppt/slides/slide19.xml><?xml version="1.0" encoding="utf-8"?>
-<p:sld xmlns:a="http://schemas.openxmlformats.org/drawingml/2006/main" xmlns:r="http://schemas.openxmlformats.org/officeDocument/2006/relationships" xmlns:p="http://schemas.openxmlformats.org/presentationml/2006/main">
-  <p:cSld>
-    <p:spTree>
-      <p:nvGrpSpPr>
-        <p:cNvPr id="1" name=""/>
-        <p:cNvGrpSpPr/>
-        <p:nvPr/>
-      </p:nvGrpSpPr>
-      <p:grpSpPr>
-        <a:xfrm>
-          <a:off x="0" y="0"/>
-          <a:ext cx="0" cy="0"/>
-          <a:chOff x="0" y="0"/>
-          <a:chExt cx="0" cy="0"/>
-        </a:xfrm>
-      </p:grpSpPr>
-      <p:sp>
-        <p:nvSpPr>
-          <p:cNvPr id="2" name="직사각형 1"/>
-          <p:cNvSpPr/>
-          <p:nvPr/>
-        </p:nvSpPr>
-        <p:spPr>
-          <a:xfrm>
-            <a:off x="166255" y="6400800"/>
-            <a:ext cx="12025745" cy="232756"/>
-          </a:xfrm>
-          <a:prstGeom prst="rect">
-            <a:avLst/>
-          </a:prstGeom>
-          <a:ln>
-            <a:noFill/>
-          </a:ln>
-        </p:spPr>
-        <p:style>
-          <a:lnRef idx="2">
-            <a:schemeClr val="accent1">
-              <a:shade val="50000"/>
-            </a:schemeClr>
-          </a:lnRef>
-          <a:fillRef idx="1">
-            <a:schemeClr val="accent1"/>
-          </a:fillRef>
-          <a:effectRef idx="0">
-            <a:schemeClr val="accent1"/>
-          </a:effectRef>
-          <a:fontRef idx="minor">
-            <a:schemeClr val="lt1"/>
-          </a:fontRef>
-        </p:style>
-        <p:txBody>
-          <a:bodyPr rtlCol="0" anchor="ctr"/>
-          <a:lstStyle/>
-          <a:p>
-            <a:pPr algn="ctr"/>
-            <a:endParaRPr lang="ko-KR" altLang="en-US"/>
-          </a:p>
-        </p:txBody>
-      </p:sp>
-      <p:sp>
-        <p:nvSpPr>
-          <p:cNvPr id="5" name="TextBox 4">
-            <a:extLst>
-              <a:ext uri="{FF2B5EF4-FFF2-40B4-BE49-F238E27FC236}">
-                <a16:creationId xmlns:a16="http://schemas.microsoft.com/office/drawing/2014/main" id="{E9E4E03B-DC2B-4AB1-AA88-841F77488FB8}"/>
-              </a:ext>
-            </a:extLst>
-          </p:cNvPr>
-          <p:cNvSpPr txBox="1"/>
-          <p:nvPr/>
-        </p:nvSpPr>
-        <p:spPr>
-          <a:xfrm flipH="1">
-            <a:off x="332508" y="99687"/>
-            <a:ext cx="6392487" cy="646331"/>
-          </a:xfrm>
-          <a:prstGeom prst="rect">
-            <a:avLst/>
-          </a:prstGeom>
-          <a:noFill/>
-        </p:spPr>
-        <p:txBody>
-          <a:bodyPr wrap="square" rtlCol="0">
-            <a:spAutoFit/>
-          </a:bodyPr>
-          <a:lstStyle/>
-          <a:p>
-            <a:r>
-              <a:rPr lang="en-US" altLang="ko-KR" sz="3600" b="1" dirty="0">
-                <a:solidFill>
-                  <a:schemeClr val="accent1">
-                    <a:lumMod val="50000"/>
-                  </a:schemeClr>
-                </a:solidFill>
-                <a:latin typeface="나눔스퀘어 ExtraBold" panose="020B0600000101010101" pitchFamily="50" charset="-127"/>
-                <a:ea typeface="나눔스퀘어 ExtraBold" panose="020B0600000101010101" pitchFamily="50" charset="-127"/>
-              </a:rPr>
-              <a:t>111111</a:t>
-            </a:r>
-          </a:p>
-        </p:txBody>
-      </p:sp>
-      <p:cxnSp>
-        <p:nvCxnSpPr>
-          <p:cNvPr id="8" name="직선 연결선 7">
-            <a:extLst>
-              <a:ext uri="{FF2B5EF4-FFF2-40B4-BE49-F238E27FC236}">
-                <a16:creationId xmlns:a16="http://schemas.microsoft.com/office/drawing/2014/main" id="{91783D2F-737E-4797-9853-8C85BE37E236}"/>
-              </a:ext>
-            </a:extLst>
-          </p:cNvPr>
-          <p:cNvCxnSpPr/>
-          <p:nvPr/>
-        </p:nvCxnSpPr>
-        <p:spPr>
-          <a:xfrm>
-            <a:off x="0" y="750912"/>
-            <a:ext cx="12192000" cy="0"/>
-          </a:xfrm>
-          <a:prstGeom prst="line">
-            <a:avLst/>
-          </a:prstGeom>
-        </p:spPr>
-        <p:style>
-          <a:lnRef idx="1">
-            <a:schemeClr val="accent1"/>
-          </a:lnRef>
-          <a:fillRef idx="0">
-            <a:schemeClr val="accent1"/>
-          </a:fillRef>
-          <a:effectRef idx="0">
-            <a:schemeClr val="accent1"/>
-          </a:effectRef>
-          <a:fontRef idx="minor">
-            <a:schemeClr val="tx1"/>
-          </a:fontRef>
-        </p:style>
-      </p:cxnSp>
-      <p:sp>
-        <p:nvSpPr>
-          <p:cNvPr id="13" name="TextBox 12">
-            <a:extLst>
-              <a:ext uri="{FF2B5EF4-FFF2-40B4-BE49-F238E27FC236}">
-                <a16:creationId xmlns:a16="http://schemas.microsoft.com/office/drawing/2014/main" id="{8F9288C9-17BC-B318-D20D-97EA3483F9CC}"/>
-              </a:ext>
-            </a:extLst>
-          </p:cNvPr>
-          <p:cNvSpPr txBox="1"/>
-          <p:nvPr/>
-        </p:nvSpPr>
-        <p:spPr>
-          <a:xfrm>
-            <a:off x="332508" y="1284012"/>
-            <a:ext cx="11346873" cy="4224233"/>
-          </a:xfrm>
-          <a:prstGeom prst="rect">
-            <a:avLst/>
-          </a:prstGeom>
-          <a:noFill/>
-        </p:spPr>
-        <p:txBody>
-          <a:bodyPr wrap="square" numCol="1" rtlCol="0">
-            <a:spAutoFit/>
-          </a:bodyPr>
-          <a:lstStyle/>
-          <a:p>
-            <a:pPr>
-              <a:lnSpc>
-                <a:spcPct val="150000"/>
-              </a:lnSpc>
-            </a:pPr>
-            <a:r>
-              <a:rPr lang="en-US" altLang="ko-KR" sz="2400" dirty="0"/>
-              <a:t>visibility </a:t>
-            </a:r>
-            <a:r>
-              <a:rPr lang="ko-KR" altLang="en-US" sz="2400" dirty="0"/>
-              <a:t>속성은 </a:t>
-            </a:r>
-            <a:r>
-              <a:rPr lang="en-US" altLang="ko-KR" sz="2400" dirty="0"/>
-              <a:t>HTML </a:t>
-            </a:r>
-            <a:r>
-              <a:rPr lang="ko-KR" altLang="en-US" sz="2400" dirty="0"/>
-              <a:t>요소가 웹 페이지에 표현될지 안될 지만을 결정한다</a:t>
-            </a:r>
-            <a:r>
-              <a:rPr lang="en-US" altLang="ko-KR" sz="2400" dirty="0"/>
-              <a:t>.</a:t>
-            </a:r>
-            <a:endParaRPr lang="ko-KR" altLang="en-US" sz="2400" dirty="0"/>
-          </a:p>
-          <a:p>
-            <a:pPr>
-              <a:lnSpc>
-                <a:spcPct val="150000"/>
-              </a:lnSpc>
-            </a:pPr>
-            <a:r>
-              <a:rPr lang="ko-KR" altLang="en-US" sz="2400" dirty="0"/>
-              <a:t>따라서 나타나지 않더라도 레이아웃과 코드 내에서 여전히 존재한다</a:t>
-            </a:r>
-            <a:r>
-              <a:rPr lang="en-US" altLang="ko-KR" sz="2400" dirty="0"/>
-              <a:t>.</a:t>
-            </a:r>
-          </a:p>
-          <a:p>
-            <a:pPr marL="342900" indent="-342900">
-              <a:lnSpc>
-                <a:spcPct val="150000"/>
-              </a:lnSpc>
-              <a:buFont typeface="Wingdings" panose="05000000000000000000" pitchFamily="2" charset="2"/>
-              <a:buChar char="§"/>
-            </a:pPr>
-            <a:endParaRPr lang="en-US" altLang="ko-KR" sz="600" b="1" dirty="0"/>
-          </a:p>
-          <a:p>
-            <a:pPr marL="342900" indent="-342900">
-              <a:lnSpc>
-                <a:spcPct val="150000"/>
-              </a:lnSpc>
-              <a:buFont typeface="Wingdings" panose="05000000000000000000" pitchFamily="2" charset="2"/>
-              <a:buChar char="§"/>
-            </a:pPr>
-            <a:r>
-              <a:rPr lang="en-US" altLang="ko-KR" sz="2000" b="1" dirty="0"/>
-              <a:t>visible     :</a:t>
-            </a:r>
-            <a:r>
-              <a:rPr lang="en-US" altLang="ko-KR" sz="2000" dirty="0"/>
-              <a:t> </a:t>
-            </a:r>
-            <a:r>
-              <a:rPr lang="en-US" altLang="ko-KR" dirty="0"/>
-              <a:t>html </a:t>
-            </a:r>
-            <a:r>
-              <a:rPr lang="ko-KR" altLang="en-US" dirty="0"/>
-              <a:t>요소를 웹 페이지에 나타낸다</a:t>
-            </a:r>
-            <a:r>
-              <a:rPr lang="en-US" altLang="ko-KR" sz="2000" dirty="0"/>
-              <a:t>.</a:t>
-            </a:r>
-            <a:endParaRPr lang="ko-KR" altLang="en-US" sz="2000" dirty="0"/>
-          </a:p>
-          <a:p>
-            <a:pPr marL="342900" indent="-342900">
-              <a:lnSpc>
-                <a:spcPct val="150000"/>
-              </a:lnSpc>
-              <a:buFont typeface="Wingdings" panose="05000000000000000000" pitchFamily="2" charset="2"/>
-              <a:buChar char="§"/>
-            </a:pPr>
-            <a:r>
-              <a:rPr lang="en-US" altLang="ko-KR" sz="2000" b="1" dirty="0"/>
-              <a:t>hidden    :</a:t>
-            </a:r>
-            <a:r>
-              <a:rPr lang="en-US" altLang="ko-KR" dirty="0"/>
-              <a:t> html </a:t>
-            </a:r>
-            <a:r>
-              <a:rPr lang="ko-KR" altLang="en-US" dirty="0"/>
-              <a:t>요소를 웹 페이지에 나타내지 않는다</a:t>
-            </a:r>
-            <a:r>
-              <a:rPr lang="en-US" altLang="ko-KR" dirty="0"/>
-              <a:t>.</a:t>
-            </a:r>
-            <a:r>
-              <a:rPr lang="ko-KR" altLang="en-US" dirty="0"/>
-              <a:t> 하지만 웹 페이지의 레이아웃에는 존재한다</a:t>
-            </a:r>
-            <a:r>
-              <a:rPr lang="en-US" altLang="ko-KR" dirty="0"/>
-              <a:t>.</a:t>
-            </a:r>
-            <a:endParaRPr lang="ko-KR" altLang="en-US" dirty="0"/>
-          </a:p>
-          <a:p>
-            <a:pPr marL="342900" indent="-342900">
-              <a:lnSpc>
-                <a:spcPct val="150000"/>
-              </a:lnSpc>
-              <a:buFont typeface="Wingdings" panose="05000000000000000000" pitchFamily="2" charset="2"/>
-              <a:buChar char="§"/>
-            </a:pPr>
-            <a:r>
-              <a:rPr lang="en-US" altLang="ko-KR" sz="2000" b="1" dirty="0"/>
-              <a:t>collapse  : </a:t>
-            </a:r>
-            <a:r>
-              <a:rPr lang="ko-KR" altLang="en-US" dirty="0"/>
-              <a:t>동적인 테이블에서만 사용할 수 있으며</a:t>
-            </a:r>
-            <a:r>
-              <a:rPr lang="en-US" altLang="ko-KR" dirty="0"/>
-              <a:t>, </a:t>
-            </a:r>
-            <a:r>
-              <a:rPr lang="ko-KR" altLang="en-US" dirty="0"/>
-              <a:t>테이블의 테두리를 한 줄만 보여준다</a:t>
-            </a:r>
-            <a:r>
-              <a:rPr lang="en-US" altLang="ko-KR" dirty="0"/>
-              <a:t>.</a:t>
-            </a:r>
-            <a:endParaRPr lang="ko-KR" altLang="en-US" dirty="0"/>
-          </a:p>
-          <a:p>
-            <a:pPr>
-              <a:lnSpc>
-                <a:spcPct val="150000"/>
-              </a:lnSpc>
-            </a:pPr>
-            <a:r>
-              <a:rPr lang="ko-KR" altLang="en-US" sz="500" dirty="0"/>
-              <a:t>  </a:t>
-            </a:r>
-            <a:br>
-              <a:rPr lang="ko-KR" altLang="en-US" dirty="0"/>
-            </a:br>
-            <a:r>
-              <a:rPr lang="ko-KR" altLang="en-US" sz="2400" dirty="0"/>
-              <a:t>요소를 숨기는 방법 </a:t>
-            </a:r>
-            <a:r>
-              <a:rPr lang="en-US" altLang="ko-KR" sz="2400" dirty="0"/>
-              <a:t>2</a:t>
-            </a:r>
-            <a:r>
-              <a:rPr lang="ko-KR" altLang="en-US" sz="2400" dirty="0"/>
-              <a:t>가지</a:t>
-            </a:r>
-          </a:p>
-          <a:p>
-            <a:pPr marL="285750" indent="-285750">
-              <a:lnSpc>
-                <a:spcPct val="150000"/>
-              </a:lnSpc>
-              <a:buFont typeface="Wingdings" panose="05000000000000000000" pitchFamily="2" charset="2"/>
-              <a:buChar char="§"/>
-            </a:pPr>
-            <a:r>
-              <a:rPr lang="en-US" altLang="ko-KR" dirty="0" err="1"/>
-              <a:t>p.none</a:t>
-            </a:r>
-            <a:r>
-              <a:rPr lang="en-US" altLang="ko-KR" dirty="0"/>
-              <a:t>{display: none;}</a:t>
-            </a:r>
-            <a:endParaRPr lang="ko-KR" altLang="en-US" dirty="0"/>
-          </a:p>
-          <a:p>
-            <a:pPr marL="285750" indent="-285750">
-              <a:lnSpc>
-                <a:spcPct val="150000"/>
-              </a:lnSpc>
-              <a:buFont typeface="Wingdings" panose="05000000000000000000" pitchFamily="2" charset="2"/>
-              <a:buChar char="§"/>
-            </a:pPr>
-            <a:r>
-              <a:rPr lang="en-US" altLang="ko-KR" dirty="0" err="1"/>
-              <a:t>p.hidden</a:t>
-            </a:r>
-            <a:r>
-              <a:rPr lang="en-US" altLang="ko-KR" dirty="0"/>
-              <a:t>{visibility: hidden;}</a:t>
-            </a:r>
-            <a:endParaRPr lang="ko-KR" altLang="en-US" dirty="0"/>
-          </a:p>
-        </p:txBody>
-      </p:sp>
-    </p:spTree>
-    <p:extLst>
-      <p:ext uri="{BB962C8B-B14F-4D97-AF65-F5344CB8AC3E}">
-        <p14:creationId xmlns:p14="http://schemas.microsoft.com/office/powerpoint/2010/main" val="2585834715"/>
-      </p:ext>
-    </p:extLst>
-  </p:cSld>
-  <p:clrMapOvr>
-    <a:masterClrMapping/>
-  </p:clrMapOvr>
 </p:sld>
 </file>
 
